--- a/IBM_Edunet_Sample_Superstore_Data_Analytics_project_presentation1.pptx
+++ b/IBM_Edunet_Sample_Superstore_Data_Analytics_project_presentation1.pptx
@@ -4614,6 +4614,40 @@
           </a:p>
         </p:txBody>
       </p:sp>
+      <p:pic>
+        <p:nvPicPr>
+          <p:cNvPr id="3" name="Picture 2">
+            <a:extLst>
+              <a:ext uri="{FF2B5EF4-FFF2-40B4-BE49-F238E27FC236}">
+                <a16:creationId xmlns:a16="http://schemas.microsoft.com/office/drawing/2014/main" id="{0FE5E33E-1BB3-B71E-A375-6AD3643A1D4F}"/>
+              </a:ext>
+            </a:extLst>
+          </p:cNvPr>
+          <p:cNvPicPr>
+            <a:picLocks noChangeAspect="1"/>
+          </p:cNvPicPr>
+          <p:nvPr/>
+        </p:nvPicPr>
+        <p:blipFill rotWithShape="1">
+          <a:blip r:embed="rId3"/>
+          <a:srcRect l="6561" t="6991" r="6714" b="5050"/>
+          <a:stretch/>
+        </p:blipFill>
+        <p:spPr>
+          <a:xfrm>
+            <a:off x="9281925" y="2823474"/>
+            <a:ext cx="1623056" cy="2097209"/>
+          </a:xfrm>
+          <a:prstGeom prst="rect">
+            <a:avLst/>
+          </a:prstGeom>
+          <a:ln w="19050">
+            <a:solidFill>
+              <a:schemeClr val="tx1"/>
+            </a:solidFill>
+          </a:ln>
+        </p:spPr>
+      </p:pic>
     </p:spTree>
     <p:extLst>
       <p:ext uri="{BB962C8B-B14F-4D97-AF65-F5344CB8AC3E}">
@@ -8384,18 +8418,18 @@
 </file>
 
 <file path=customXml/item2.xml><?xml version="1.0" encoding="utf-8"?>
-<p:properties xmlns:p="http://schemas.microsoft.com/office/2006/metadata/properties" xmlns:xsi="http://www.w3.org/2001/XMLSchema-instance" xmlns:pc="http://schemas.microsoft.com/office/infopath/2007/PartnerControls">
-  <documentManagement/>
-</p:properties>
-</file>
-
-<file path=customXml/item3.xml><?xml version="1.0" encoding="utf-8"?>
 <?mso-contentType ?>
 <FormTemplates xmlns="http://schemas.microsoft.com/sharepoint/v3/contenttype/forms">
   <Display>DocumentLibraryForm</Display>
   <Edit>DocumentLibraryForm</Edit>
   <New>DocumentLibraryForm</New>
 </FormTemplates>
+</file>
+
+<file path=customXml/item3.xml><?xml version="1.0" encoding="utf-8"?>
+<p:properties xmlns:p="http://schemas.microsoft.com/office/2006/metadata/properties" xmlns:xsi="http://www.w3.org/2001/XMLSchema-instance" xmlns:pc="http://schemas.microsoft.com/office/infopath/2007/PartnerControls">
+  <documentManagement/>
+</p:properties>
 </file>
 
 <file path=customXml/itemProps1.xml><?xml version="1.0" encoding="utf-8"?>
@@ -8417,6 +8451,14 @@
 </file>
 
 <file path=customXml/itemProps2.xml><?xml version="1.0" encoding="utf-8"?>
+<ds:datastoreItem xmlns:ds="http://schemas.openxmlformats.org/officeDocument/2006/customXml" ds:itemID="{927BD4C1-B6B1-4715-ABF9-E660A51A4EA0}">
+  <ds:schemaRefs>
+    <ds:schemaRef ds:uri="http://schemas.microsoft.com/sharepoint/v3/contenttype/forms"/>
+  </ds:schemaRefs>
+</ds:datastoreItem>
+</file>
+
+<file path=customXml/itemProps3.xml><?xml version="1.0" encoding="utf-8"?>
 <ds:datastoreItem xmlns:ds="http://schemas.openxmlformats.org/officeDocument/2006/customXml" ds:itemID="{8D289AE2-D2AE-49D1-AFAC-3A79F6794255}">
   <ds:schemaRefs>
     <ds:schemaRef ds:uri="http://schemas.microsoft.com/office/infopath/2007/PartnerControls"/>
@@ -8430,12 +8472,4 @@
     <ds:schemaRef ds:uri="http://schemas.openxmlformats.org/package/2006/metadata/core-properties"/>
   </ds:schemaRefs>
 </ds:datastoreItem>
-</file>
-
-<file path=customXml/itemProps3.xml><?xml version="1.0" encoding="utf-8"?>
-<ds:datastoreItem xmlns:ds="http://schemas.openxmlformats.org/officeDocument/2006/customXml" ds:itemID="{927BD4C1-B6B1-4715-ABF9-E660A51A4EA0}">
-  <ds:schemaRefs>
-    <ds:schemaRef ds:uri="http://schemas.microsoft.com/sharepoint/v3/contenttype/forms"/>
-  </ds:schemaRefs>
-</ds:datastoreItem>
 </file>